--- a/IB_group_meeting/evalParal/R-parallel.pptx
+++ b/IB_group_meeting/evalParal/R-parallel.pptx
@@ -4,13 +4,21 @@
   <p:sldMasterIdLst>
     <p:sldMasterId id="2147483648" r:id="rId1"/>
   </p:sldMasterIdLst>
+  <p:notesMasterIdLst>
+    <p:notesMasterId r:id="rId13"/>
+  </p:notesMasterIdLst>
   <p:sldIdLst>
     <p:sldId id="256" r:id="rId2"/>
     <p:sldId id="257" r:id="rId3"/>
     <p:sldId id="258" r:id="rId4"/>
-    <p:sldId id="259" r:id="rId5"/>
-    <p:sldId id="260" r:id="rId6"/>
-    <p:sldId id="261" r:id="rId7"/>
+    <p:sldId id="262" r:id="rId5"/>
+    <p:sldId id="263" r:id="rId6"/>
+    <p:sldId id="264" r:id="rId7"/>
+    <p:sldId id="265" r:id="rId8"/>
+    <p:sldId id="266" r:id="rId9"/>
+    <p:sldId id="267" r:id="rId10"/>
+    <p:sldId id="268" r:id="rId11"/>
+    <p:sldId id="269" r:id="rId12"/>
   </p:sldIdLst>
   <p:sldSz cx="12192000" cy="6858000"/>
   <p:notesSz cx="6858000" cy="9144000"/>
@@ -109,7 +117,459 @@
       </a:defRPr>
     </a:lvl9pPr>
   </p:defaultTextStyle>
+  <p:extLst>
+    <p:ext uri="{EFAFB233-063F-42B5-8137-9DF3F51BA10A}">
+      <p15:sldGuideLst xmlns:p15="http://schemas.microsoft.com/office/powerpoint/2012/main"/>
+    </p:ext>
+  </p:extLst>
 </p:presentation>
+</file>
+
+<file path=ppt/notesMasters/notesMaster1.xml><?xml version="1.0" encoding="utf-8"?>
+<p:notesMaster xmlns:a="http://schemas.openxmlformats.org/drawingml/2006/main" xmlns:r="http://schemas.openxmlformats.org/officeDocument/2006/relationships" xmlns:p="http://schemas.openxmlformats.org/presentationml/2006/main">
+  <p:cSld>
+    <p:bg>
+      <p:bgRef idx="1001">
+        <a:schemeClr val="bg1"/>
+      </p:bgRef>
+    </p:bg>
+    <p:spTree>
+      <p:nvGrpSpPr>
+        <p:cNvPr id="1" name=""/>
+        <p:cNvGrpSpPr/>
+        <p:nvPr/>
+      </p:nvGrpSpPr>
+      <p:grpSpPr>
+        <a:xfrm>
+          <a:off x="0" y="0"/>
+          <a:ext cx="0" cy="0"/>
+          <a:chOff x="0" y="0"/>
+          <a:chExt cx="0" cy="0"/>
+        </a:xfrm>
+      </p:grpSpPr>
+      <p:sp>
+        <p:nvSpPr>
+          <p:cNvPr id="2" name="Header Placeholder 1"/>
+          <p:cNvSpPr>
+            <a:spLocks noGrp="1"/>
+          </p:cNvSpPr>
+          <p:nvPr>
+            <p:ph type="hdr" sz="quarter"/>
+          </p:nvPr>
+        </p:nvSpPr>
+        <p:spPr>
+          <a:xfrm>
+            <a:off x="0" y="0"/>
+            <a:ext cx="2971800" cy="458788"/>
+          </a:xfrm>
+          <a:prstGeom prst="rect">
+            <a:avLst/>
+          </a:prstGeom>
+        </p:spPr>
+        <p:txBody>
+          <a:bodyPr vert="horz" lIns="91440" tIns="45720" rIns="91440" bIns="45720" rtlCol="0"/>
+          <a:lstStyle>
+            <a:lvl1pPr algn="l">
+              <a:defRPr sz="1200"/>
+            </a:lvl1pPr>
+          </a:lstStyle>
+          <a:p>
+            <a:endParaRPr lang="en-US"/>
+          </a:p>
+        </p:txBody>
+      </p:sp>
+      <p:sp>
+        <p:nvSpPr>
+          <p:cNvPr id="3" name="Date Placeholder 2"/>
+          <p:cNvSpPr>
+            <a:spLocks noGrp="1"/>
+          </p:cNvSpPr>
+          <p:nvPr>
+            <p:ph type="dt" idx="1"/>
+          </p:nvPr>
+        </p:nvSpPr>
+        <p:spPr>
+          <a:xfrm>
+            <a:off x="3884613" y="0"/>
+            <a:ext cx="2971800" cy="458788"/>
+          </a:xfrm>
+          <a:prstGeom prst="rect">
+            <a:avLst/>
+          </a:prstGeom>
+        </p:spPr>
+        <p:txBody>
+          <a:bodyPr vert="horz" lIns="91440" tIns="45720" rIns="91440" bIns="45720" rtlCol="0"/>
+          <a:lstStyle>
+            <a:lvl1pPr algn="r">
+              <a:defRPr sz="1200"/>
+            </a:lvl1pPr>
+          </a:lstStyle>
+          <a:p>
+            <a:fld id="{745CDD0A-FBAF-42DA-9D4D-06831D3F79B8}" type="datetimeFigureOut">
+              <a:rPr lang="en-US" smtClean="0"/>
+              <a:t>10/17/2017</a:t>
+            </a:fld>
+            <a:endParaRPr lang="en-US"/>
+          </a:p>
+        </p:txBody>
+      </p:sp>
+      <p:sp>
+        <p:nvSpPr>
+          <p:cNvPr id="4" name="Slide Image Placeholder 3"/>
+          <p:cNvSpPr>
+            <a:spLocks noGrp="1" noRot="1" noChangeAspect="1"/>
+          </p:cNvSpPr>
+          <p:nvPr>
+            <p:ph type="sldImg" idx="2"/>
+          </p:nvPr>
+        </p:nvSpPr>
+        <p:spPr>
+          <a:xfrm>
+            <a:off x="685800" y="1143000"/>
+            <a:ext cx="5486400" cy="3086100"/>
+          </a:xfrm>
+          <a:prstGeom prst="rect">
+            <a:avLst/>
+          </a:prstGeom>
+          <a:noFill/>
+          <a:ln w="12700">
+            <a:solidFill>
+              <a:prstClr val="black"/>
+            </a:solidFill>
+          </a:ln>
+        </p:spPr>
+        <p:txBody>
+          <a:bodyPr vert="horz" lIns="91440" tIns="45720" rIns="91440" bIns="45720" rtlCol="0" anchor="ctr"/>
+          <a:lstStyle/>
+          <a:p>
+            <a:endParaRPr lang="en-US"/>
+          </a:p>
+        </p:txBody>
+      </p:sp>
+      <p:sp>
+        <p:nvSpPr>
+          <p:cNvPr id="5" name="Notes Placeholder 4"/>
+          <p:cNvSpPr>
+            <a:spLocks noGrp="1"/>
+          </p:cNvSpPr>
+          <p:nvPr>
+            <p:ph type="body" sz="quarter" idx="3"/>
+          </p:nvPr>
+        </p:nvSpPr>
+        <p:spPr>
+          <a:xfrm>
+            <a:off x="685800" y="4400550"/>
+            <a:ext cx="5486400" cy="3600450"/>
+          </a:xfrm>
+          <a:prstGeom prst="rect">
+            <a:avLst/>
+          </a:prstGeom>
+        </p:spPr>
+        <p:txBody>
+          <a:bodyPr vert="horz" lIns="91440" tIns="45720" rIns="91440" bIns="45720" rtlCol="0"/>
+          <a:lstStyle/>
+          <a:p>
+            <a:pPr lvl="0"/>
+            <a:r>
+              <a:rPr lang="en-US"/>
+              <a:t>Edit Master text styles</a:t>
+            </a:r>
+          </a:p>
+          <a:p>
+            <a:pPr lvl="1"/>
+            <a:r>
+              <a:rPr lang="en-US"/>
+              <a:t>Second level</a:t>
+            </a:r>
+          </a:p>
+          <a:p>
+            <a:pPr lvl="2"/>
+            <a:r>
+              <a:rPr lang="en-US"/>
+              <a:t>Third level</a:t>
+            </a:r>
+          </a:p>
+          <a:p>
+            <a:pPr lvl="3"/>
+            <a:r>
+              <a:rPr lang="en-US"/>
+              <a:t>Fourth level</a:t>
+            </a:r>
+          </a:p>
+          <a:p>
+            <a:pPr lvl="4"/>
+            <a:r>
+              <a:rPr lang="en-US"/>
+              <a:t>Fifth level</a:t>
+            </a:r>
+            <a:endParaRPr lang="en-US"/>
+          </a:p>
+        </p:txBody>
+      </p:sp>
+      <p:sp>
+        <p:nvSpPr>
+          <p:cNvPr id="6" name="Footer Placeholder 5"/>
+          <p:cNvSpPr>
+            <a:spLocks noGrp="1"/>
+          </p:cNvSpPr>
+          <p:nvPr>
+            <p:ph type="ftr" sz="quarter" idx="4"/>
+          </p:nvPr>
+        </p:nvSpPr>
+        <p:spPr>
+          <a:xfrm>
+            <a:off x="0" y="8685213"/>
+            <a:ext cx="2971800" cy="458787"/>
+          </a:xfrm>
+          <a:prstGeom prst="rect">
+            <a:avLst/>
+          </a:prstGeom>
+        </p:spPr>
+        <p:txBody>
+          <a:bodyPr vert="horz" lIns="91440" tIns="45720" rIns="91440" bIns="45720" rtlCol="0" anchor="b"/>
+          <a:lstStyle>
+            <a:lvl1pPr algn="l">
+              <a:defRPr sz="1200"/>
+            </a:lvl1pPr>
+          </a:lstStyle>
+          <a:p>
+            <a:endParaRPr lang="en-US"/>
+          </a:p>
+        </p:txBody>
+      </p:sp>
+      <p:sp>
+        <p:nvSpPr>
+          <p:cNvPr id="7" name="Slide Number Placeholder 6"/>
+          <p:cNvSpPr>
+            <a:spLocks noGrp="1"/>
+          </p:cNvSpPr>
+          <p:nvPr>
+            <p:ph type="sldNum" sz="quarter" idx="5"/>
+          </p:nvPr>
+        </p:nvSpPr>
+        <p:spPr>
+          <a:xfrm>
+            <a:off x="3884613" y="8685213"/>
+            <a:ext cx="2971800" cy="458787"/>
+          </a:xfrm>
+          <a:prstGeom prst="rect">
+            <a:avLst/>
+          </a:prstGeom>
+        </p:spPr>
+        <p:txBody>
+          <a:bodyPr vert="horz" lIns="91440" tIns="45720" rIns="91440" bIns="45720" rtlCol="0" anchor="b"/>
+          <a:lstStyle>
+            <a:lvl1pPr algn="r">
+              <a:defRPr sz="1200"/>
+            </a:lvl1pPr>
+          </a:lstStyle>
+          <a:p>
+            <a:fld id="{411B5956-E207-4C70-AC18-9E0F99DC4B5D}" type="slidenum">
+              <a:rPr lang="en-US" smtClean="0"/>
+              <a:t>‹#›</a:t>
+            </a:fld>
+            <a:endParaRPr lang="en-US"/>
+          </a:p>
+        </p:txBody>
+      </p:sp>
+    </p:spTree>
+    <p:extLst>
+      <p:ext uri="{BB962C8B-B14F-4D97-AF65-F5344CB8AC3E}">
+        <p14:creationId xmlns:p14="http://schemas.microsoft.com/office/powerpoint/2010/main" val="3267162816"/>
+      </p:ext>
+    </p:extLst>
+  </p:cSld>
+  <p:clrMap bg1="lt1" tx1="dk1" bg2="lt2" tx2="dk2" accent1="accent1" accent2="accent2" accent3="accent3" accent4="accent4" accent5="accent5" accent6="accent6" hlink="hlink" folHlink="folHlink"/>
+  <p:notesStyle>
+    <a:lvl1pPr marL="0" algn="l" defTabSz="914400" rtl="0" eaLnBrk="1" latinLnBrk="0" hangingPunct="1">
+      <a:defRPr sz="1200" kern="1200">
+        <a:solidFill>
+          <a:schemeClr val="tx1"/>
+        </a:solidFill>
+        <a:latin typeface="+mn-lt"/>
+        <a:ea typeface="+mn-ea"/>
+        <a:cs typeface="+mn-cs"/>
+      </a:defRPr>
+    </a:lvl1pPr>
+    <a:lvl2pPr marL="457200" algn="l" defTabSz="914400" rtl="0" eaLnBrk="1" latinLnBrk="0" hangingPunct="1">
+      <a:defRPr sz="1200" kern="1200">
+        <a:solidFill>
+          <a:schemeClr val="tx1"/>
+        </a:solidFill>
+        <a:latin typeface="+mn-lt"/>
+        <a:ea typeface="+mn-ea"/>
+        <a:cs typeface="+mn-cs"/>
+      </a:defRPr>
+    </a:lvl2pPr>
+    <a:lvl3pPr marL="914400" algn="l" defTabSz="914400" rtl="0" eaLnBrk="1" latinLnBrk="0" hangingPunct="1">
+      <a:defRPr sz="1200" kern="1200">
+        <a:solidFill>
+          <a:schemeClr val="tx1"/>
+        </a:solidFill>
+        <a:latin typeface="+mn-lt"/>
+        <a:ea typeface="+mn-ea"/>
+        <a:cs typeface="+mn-cs"/>
+      </a:defRPr>
+    </a:lvl3pPr>
+    <a:lvl4pPr marL="1371600" algn="l" defTabSz="914400" rtl="0" eaLnBrk="1" latinLnBrk="0" hangingPunct="1">
+      <a:defRPr sz="1200" kern="1200">
+        <a:solidFill>
+          <a:schemeClr val="tx1"/>
+        </a:solidFill>
+        <a:latin typeface="+mn-lt"/>
+        <a:ea typeface="+mn-ea"/>
+        <a:cs typeface="+mn-cs"/>
+      </a:defRPr>
+    </a:lvl4pPr>
+    <a:lvl5pPr marL="1828800" algn="l" defTabSz="914400" rtl="0" eaLnBrk="1" latinLnBrk="0" hangingPunct="1">
+      <a:defRPr sz="1200" kern="1200">
+        <a:solidFill>
+          <a:schemeClr val="tx1"/>
+        </a:solidFill>
+        <a:latin typeface="+mn-lt"/>
+        <a:ea typeface="+mn-ea"/>
+        <a:cs typeface="+mn-cs"/>
+      </a:defRPr>
+    </a:lvl5pPr>
+    <a:lvl6pPr marL="2286000" algn="l" defTabSz="914400" rtl="0" eaLnBrk="1" latinLnBrk="0" hangingPunct="1">
+      <a:defRPr sz="1200" kern="1200">
+        <a:solidFill>
+          <a:schemeClr val="tx1"/>
+        </a:solidFill>
+        <a:latin typeface="+mn-lt"/>
+        <a:ea typeface="+mn-ea"/>
+        <a:cs typeface="+mn-cs"/>
+      </a:defRPr>
+    </a:lvl6pPr>
+    <a:lvl7pPr marL="2743200" algn="l" defTabSz="914400" rtl="0" eaLnBrk="1" latinLnBrk="0" hangingPunct="1">
+      <a:defRPr sz="1200" kern="1200">
+        <a:solidFill>
+          <a:schemeClr val="tx1"/>
+        </a:solidFill>
+        <a:latin typeface="+mn-lt"/>
+        <a:ea typeface="+mn-ea"/>
+        <a:cs typeface="+mn-cs"/>
+      </a:defRPr>
+    </a:lvl7pPr>
+    <a:lvl8pPr marL="3200400" algn="l" defTabSz="914400" rtl="0" eaLnBrk="1" latinLnBrk="0" hangingPunct="1">
+      <a:defRPr sz="1200" kern="1200">
+        <a:solidFill>
+          <a:schemeClr val="tx1"/>
+        </a:solidFill>
+        <a:latin typeface="+mn-lt"/>
+        <a:ea typeface="+mn-ea"/>
+        <a:cs typeface="+mn-cs"/>
+      </a:defRPr>
+    </a:lvl8pPr>
+    <a:lvl9pPr marL="3657600" algn="l" defTabSz="914400" rtl="0" eaLnBrk="1" latinLnBrk="0" hangingPunct="1">
+      <a:defRPr sz="1200" kern="1200">
+        <a:solidFill>
+          <a:schemeClr val="tx1"/>
+        </a:solidFill>
+        <a:latin typeface="+mn-lt"/>
+        <a:ea typeface="+mn-ea"/>
+        <a:cs typeface="+mn-cs"/>
+      </a:defRPr>
+    </a:lvl9pPr>
+  </p:notesStyle>
+</p:notesMaster>
+</file>
+
+<file path=ppt/notesSlides/notesSlide1.xml><?xml version="1.0" encoding="utf-8"?>
+<p:notes xmlns:a="http://schemas.openxmlformats.org/drawingml/2006/main" xmlns:r="http://schemas.openxmlformats.org/officeDocument/2006/relationships" xmlns:p="http://schemas.openxmlformats.org/presentationml/2006/main">
+  <p:cSld>
+    <p:spTree>
+      <p:nvGrpSpPr>
+        <p:cNvPr id="1" name=""/>
+        <p:cNvGrpSpPr/>
+        <p:nvPr/>
+      </p:nvGrpSpPr>
+      <p:grpSpPr>
+        <a:xfrm>
+          <a:off x="0" y="0"/>
+          <a:ext cx="0" cy="0"/>
+          <a:chOff x="0" y="0"/>
+          <a:chExt cx="0" cy="0"/>
+        </a:xfrm>
+      </p:grpSpPr>
+      <p:sp>
+        <p:nvSpPr>
+          <p:cNvPr id="2" name="Slide Image Placeholder 1"/>
+          <p:cNvSpPr>
+            <a:spLocks noGrp="1" noRot="1" noChangeAspect="1"/>
+          </p:cNvSpPr>
+          <p:nvPr>
+            <p:ph type="sldImg"/>
+          </p:nvPr>
+        </p:nvSpPr>
+        <p:spPr/>
+      </p:sp>
+      <p:sp>
+        <p:nvSpPr>
+          <p:cNvPr id="3" name="Notes Placeholder 2"/>
+          <p:cNvSpPr>
+            <a:spLocks noGrp="1"/>
+          </p:cNvSpPr>
+          <p:nvPr>
+            <p:ph type="body" idx="1"/>
+          </p:nvPr>
+        </p:nvSpPr>
+        <p:spPr/>
+        <p:txBody>
+          <a:bodyPr/>
+          <a:lstStyle/>
+          <a:p>
+            <a:r>
+              <a:rPr lang="en-US" dirty="0"/>
+              <a:t>In 2008, a group of researchers from Spain introduced an R/parallel package (</a:t>
+            </a:r>
+            <a:r>
+              <a:rPr lang="en-US" dirty="0">
+                <a:hlinkClick r:id="rId3" action="ppaction://hlinkfile" tooltip="Vera, 2008 #1"/>
+              </a:rPr>
+              <a:t>Vera, Jansen et al. 2008</a:t>
+            </a:r>
+            <a:r>
+              <a:rPr lang="en-US" dirty="0"/>
+              <a:t>), which can be integrated with any existing R packages, provides a users’ friendly framework without any modification of the existing code and ensures the analysis run in a parallel mode. According to their assessment, with this R/parallel package, the processing time could be reduced by N-fold where N being the number of available processor core.</a:t>
+            </a:r>
+          </a:p>
+        </p:txBody>
+      </p:sp>
+      <p:sp>
+        <p:nvSpPr>
+          <p:cNvPr id="4" name="Slide Number Placeholder 3"/>
+          <p:cNvSpPr>
+            <a:spLocks noGrp="1"/>
+          </p:cNvSpPr>
+          <p:nvPr>
+            <p:ph type="sldNum" sz="quarter" idx="10"/>
+          </p:nvPr>
+        </p:nvSpPr>
+        <p:spPr/>
+        <p:txBody>
+          <a:bodyPr/>
+          <a:lstStyle/>
+          <a:p>
+            <a:fld id="{5ACE5661-D179-4661-94FA-DA6CA70A802B}" type="slidenum">
+              <a:rPr lang="en-US" smtClean="0"/>
+              <a:t>5</a:t>
+            </a:fld>
+            <a:endParaRPr lang="en-US"/>
+          </a:p>
+        </p:txBody>
+      </p:sp>
+    </p:spTree>
+    <p:extLst>
+      <p:ext uri="{BB962C8B-B14F-4D97-AF65-F5344CB8AC3E}">
+        <p14:creationId xmlns:p14="http://schemas.microsoft.com/office/powerpoint/2010/main" val="4294411091"/>
+      </p:ext>
+    </p:extLst>
+  </p:cSld>
+  <p:clrMapOvr>
+    <a:masterClrMapping/>
+  </p:clrMapOvr>
+</p:notes>
 </file>
 
 <file path=ppt/slideLayouts/slideLayout1.xml><?xml version="1.0" encoding="utf-8"?>
@@ -157,7 +617,6 @@
               <a:rPr lang="en-US"/>
               <a:t>Click to edit Master title style</a:t>
             </a:r>
-            <a:endParaRPr lang="en-US"/>
           </a:p>
         </p:txBody>
       </p:sp>
@@ -222,7 +681,6 @@
               <a:rPr lang="en-US"/>
               <a:t>Click to edit Master subtitle style</a:t>
             </a:r>
-            <a:endParaRPr lang="en-US"/>
           </a:p>
         </p:txBody>
       </p:sp>
@@ -243,7 +701,7 @@
           <a:p>
             <a:fld id="{1EE50F08-FDEB-4AB7-8B68-5AE1D5E33E91}" type="datetimeFigureOut">
               <a:rPr lang="en-US" smtClean="0"/>
-              <a:t>10/10/2017</a:t>
+              <a:t>10/17/2017</a:t>
             </a:fld>
             <a:endParaRPr lang="en-US"/>
           </a:p>
@@ -340,7 +798,6 @@
               <a:rPr lang="en-US"/>
               <a:t>Click to edit Master title style</a:t>
             </a:r>
-            <a:endParaRPr lang="en-US"/>
           </a:p>
         </p:txBody>
       </p:sp>
@@ -392,7 +849,6 @@
               <a:rPr lang="en-US"/>
               <a:t>Fifth level</a:t>
             </a:r>
-            <a:endParaRPr lang="en-US"/>
           </a:p>
         </p:txBody>
       </p:sp>
@@ -413,7 +869,7 @@
           <a:p>
             <a:fld id="{1EE50F08-FDEB-4AB7-8B68-5AE1D5E33E91}" type="datetimeFigureOut">
               <a:rPr lang="en-US" smtClean="0"/>
-              <a:t>10/10/2017</a:t>
+              <a:t>10/17/2017</a:t>
             </a:fld>
             <a:endParaRPr lang="en-US"/>
           </a:p>
@@ -515,7 +971,6 @@
               <a:rPr lang="en-US"/>
               <a:t>Click to edit Master title style</a:t>
             </a:r>
-            <a:endParaRPr lang="en-US"/>
           </a:p>
         </p:txBody>
       </p:sp>
@@ -572,7 +1027,6 @@
               <a:rPr lang="en-US"/>
               <a:t>Fifth level</a:t>
             </a:r>
-            <a:endParaRPr lang="en-US"/>
           </a:p>
         </p:txBody>
       </p:sp>
@@ -593,7 +1047,7 @@
           <a:p>
             <a:fld id="{1EE50F08-FDEB-4AB7-8B68-5AE1D5E33E91}" type="datetimeFigureOut">
               <a:rPr lang="en-US" smtClean="0"/>
-              <a:t>10/10/2017</a:t>
+              <a:t>10/17/2017</a:t>
             </a:fld>
             <a:endParaRPr lang="en-US"/>
           </a:p>
@@ -690,7 +1144,6 @@
               <a:rPr lang="en-US"/>
               <a:t>Click to edit Master title style</a:t>
             </a:r>
-            <a:endParaRPr lang="en-US"/>
           </a:p>
         </p:txBody>
       </p:sp>
@@ -742,7 +1195,6 @@
               <a:rPr lang="en-US"/>
               <a:t>Fifth level</a:t>
             </a:r>
-            <a:endParaRPr lang="en-US"/>
           </a:p>
         </p:txBody>
       </p:sp>
@@ -763,7 +1215,7 @@
           <a:p>
             <a:fld id="{1EE50F08-FDEB-4AB7-8B68-5AE1D5E33E91}" type="datetimeFigureOut">
               <a:rPr lang="en-US" smtClean="0"/>
-              <a:t>10/10/2017</a:t>
+              <a:t>10/17/2017</a:t>
             </a:fld>
             <a:endParaRPr lang="en-US"/>
           </a:p>
@@ -869,7 +1321,6 @@
               <a:rPr lang="en-US"/>
               <a:t>Click to edit Master title style</a:t>
             </a:r>
-            <a:endParaRPr lang="en-US"/>
           </a:p>
         </p:txBody>
       </p:sp>
@@ -1009,7 +1460,7 @@
           <a:p>
             <a:fld id="{1EE50F08-FDEB-4AB7-8B68-5AE1D5E33E91}" type="datetimeFigureOut">
               <a:rPr lang="en-US" smtClean="0"/>
-              <a:t>10/10/2017</a:t>
+              <a:t>10/17/2017</a:t>
             </a:fld>
             <a:endParaRPr lang="en-US"/>
           </a:p>
@@ -1106,7 +1557,6 @@
               <a:rPr lang="en-US"/>
               <a:t>Click to edit Master title style</a:t>
             </a:r>
-            <a:endParaRPr lang="en-US"/>
           </a:p>
         </p:txBody>
       </p:sp>
@@ -1163,7 +1613,6 @@
               <a:rPr lang="en-US"/>
               <a:t>Fifth level</a:t>
             </a:r>
-            <a:endParaRPr lang="en-US"/>
           </a:p>
         </p:txBody>
       </p:sp>
@@ -1220,7 +1669,6 @@
               <a:rPr lang="en-US"/>
               <a:t>Fifth level</a:t>
             </a:r>
-            <a:endParaRPr lang="en-US"/>
           </a:p>
         </p:txBody>
       </p:sp>
@@ -1241,7 +1689,7 @@
           <a:p>
             <a:fld id="{1EE50F08-FDEB-4AB7-8B68-5AE1D5E33E91}" type="datetimeFigureOut">
               <a:rPr lang="en-US" smtClean="0"/>
-              <a:t>10/10/2017</a:t>
+              <a:t>10/17/2017</a:t>
             </a:fld>
             <a:endParaRPr lang="en-US"/>
           </a:p>
@@ -1343,7 +1791,6 @@
               <a:rPr lang="en-US"/>
               <a:t>Click to edit Master title style</a:t>
             </a:r>
-            <a:endParaRPr lang="en-US"/>
           </a:p>
         </p:txBody>
       </p:sp>
@@ -1465,7 +1912,6 @@
               <a:rPr lang="en-US"/>
               <a:t>Fifth level</a:t>
             </a:r>
-            <a:endParaRPr lang="en-US"/>
           </a:p>
         </p:txBody>
       </p:sp>
@@ -1587,7 +2033,6 @@
               <a:rPr lang="en-US"/>
               <a:t>Fifth level</a:t>
             </a:r>
-            <a:endParaRPr lang="en-US"/>
           </a:p>
         </p:txBody>
       </p:sp>
@@ -1608,7 +2053,7 @@
           <a:p>
             <a:fld id="{1EE50F08-FDEB-4AB7-8B68-5AE1D5E33E91}" type="datetimeFigureOut">
               <a:rPr lang="en-US" smtClean="0"/>
-              <a:t>10/10/2017</a:t>
+              <a:t>10/17/2017</a:t>
             </a:fld>
             <a:endParaRPr lang="en-US"/>
           </a:p>
@@ -1705,7 +2150,6 @@
               <a:rPr lang="en-US"/>
               <a:t>Click to edit Master title style</a:t>
             </a:r>
-            <a:endParaRPr lang="en-US"/>
           </a:p>
         </p:txBody>
       </p:sp>
@@ -1726,7 +2170,7 @@
           <a:p>
             <a:fld id="{1EE50F08-FDEB-4AB7-8B68-5AE1D5E33E91}" type="datetimeFigureOut">
               <a:rPr lang="en-US" smtClean="0"/>
-              <a:t>10/10/2017</a:t>
+              <a:t>10/17/2017</a:t>
             </a:fld>
             <a:endParaRPr lang="en-US"/>
           </a:p>
@@ -1821,7 +2265,7 @@
           <a:p>
             <a:fld id="{1EE50F08-FDEB-4AB7-8B68-5AE1D5E33E91}" type="datetimeFigureOut">
               <a:rPr lang="en-US" smtClean="0"/>
-              <a:t>10/10/2017</a:t>
+              <a:t>10/17/2017</a:t>
             </a:fld>
             <a:endParaRPr lang="en-US"/>
           </a:p>
@@ -1927,7 +2371,6 @@
               <a:rPr lang="en-US"/>
               <a:t>Click to edit Master title style</a:t>
             </a:r>
-            <a:endParaRPr lang="en-US"/>
           </a:p>
         </p:txBody>
       </p:sp>
@@ -2012,7 +2455,6 @@
               <a:rPr lang="en-US"/>
               <a:t>Fifth level</a:t>
             </a:r>
-            <a:endParaRPr lang="en-US"/>
           </a:p>
         </p:txBody>
       </p:sp>
@@ -2098,7 +2540,7 @@
           <a:p>
             <a:fld id="{1EE50F08-FDEB-4AB7-8B68-5AE1D5E33E91}" type="datetimeFigureOut">
               <a:rPr lang="en-US" smtClean="0"/>
-              <a:t>10/10/2017</a:t>
+              <a:t>10/17/2017</a:t>
             </a:fld>
             <a:endParaRPr lang="en-US"/>
           </a:p>
@@ -2204,7 +2646,6 @@
               <a:rPr lang="en-US"/>
               <a:t>Click to edit Master title style</a:t>
             </a:r>
-            <a:endParaRPr lang="en-US"/>
           </a:p>
         </p:txBody>
       </p:sp>
@@ -2351,7 +2792,7 @@
           <a:p>
             <a:fld id="{1EE50F08-FDEB-4AB7-8B68-5AE1D5E33E91}" type="datetimeFigureOut">
               <a:rPr lang="en-US" smtClean="0"/>
-              <a:t>10/10/2017</a:t>
+              <a:t>10/17/2017</a:t>
             </a:fld>
             <a:endParaRPr lang="en-US"/>
           </a:p>
@@ -2463,7 +2904,6 @@
               <a:rPr lang="en-US"/>
               <a:t>Click to edit Master title style</a:t>
             </a:r>
-            <a:endParaRPr lang="en-US"/>
           </a:p>
         </p:txBody>
       </p:sp>
@@ -2525,7 +2965,6 @@
               <a:rPr lang="en-US"/>
               <a:t>Fifth level</a:t>
             </a:r>
-            <a:endParaRPr lang="en-US"/>
           </a:p>
         </p:txBody>
       </p:sp>
@@ -2564,7 +3003,7 @@
           <a:p>
             <a:fld id="{1EE50F08-FDEB-4AB7-8B68-5AE1D5E33E91}" type="datetimeFigureOut">
               <a:rPr lang="en-US" smtClean="0"/>
-              <a:t>10/10/2017</a:t>
+              <a:t>10/17/2017</a:t>
             </a:fld>
             <a:endParaRPr lang="en-US"/>
           </a:p>
@@ -3023,6 +3462,416 @@
 </p:sld>
 </file>
 
+<file path=ppt/slides/slide10.xml><?xml version="1.0" encoding="utf-8"?>
+<p:sld xmlns:a="http://schemas.openxmlformats.org/drawingml/2006/main" xmlns:r="http://schemas.openxmlformats.org/officeDocument/2006/relationships" xmlns:p="http://schemas.openxmlformats.org/presentationml/2006/main">
+  <p:cSld>
+    <p:spTree>
+      <p:nvGrpSpPr>
+        <p:cNvPr id="1" name=""/>
+        <p:cNvGrpSpPr/>
+        <p:nvPr/>
+      </p:nvGrpSpPr>
+      <p:grpSpPr>
+        <a:xfrm>
+          <a:off x="0" y="0"/>
+          <a:ext cx="0" cy="0"/>
+          <a:chOff x="0" y="0"/>
+          <a:chExt cx="0" cy="0"/>
+        </a:xfrm>
+      </p:grpSpPr>
+      <p:sp>
+        <p:nvSpPr>
+          <p:cNvPr id="2" name="Title 1"/>
+          <p:cNvSpPr>
+            <a:spLocks noGrp="1"/>
+          </p:cNvSpPr>
+          <p:nvPr>
+            <p:ph type="title"/>
+          </p:nvPr>
+        </p:nvSpPr>
+        <p:spPr/>
+        <p:txBody>
+          <a:bodyPr/>
+          <a:lstStyle/>
+          <a:p>
+            <a:r>
+              <a:rPr lang="en-US" dirty="0"/>
+              <a:t>A few things to keep in mind</a:t>
+            </a:r>
+          </a:p>
+        </p:txBody>
+      </p:sp>
+      <p:sp>
+        <p:nvSpPr>
+          <p:cNvPr id="3" name="Content Placeholder 2"/>
+          <p:cNvSpPr>
+            <a:spLocks noGrp="1"/>
+          </p:cNvSpPr>
+          <p:nvPr>
+            <p:ph idx="1"/>
+          </p:nvPr>
+        </p:nvSpPr>
+        <p:spPr/>
+        <p:txBody>
+          <a:bodyPr/>
+          <a:lstStyle/>
+          <a:p>
+            <a:r>
+              <a:rPr lang="en-US" b="1" i="1" dirty="0" err="1"/>
+              <a:t>doMC</a:t>
+            </a:r>
+            <a:r>
+              <a:rPr lang="en-US" dirty="0"/>
+              <a:t> relies on “</a:t>
+            </a:r>
+            <a:r>
+              <a:rPr lang="en-US" b="1" dirty="0"/>
+              <a:t>fork</a:t>
+            </a:r>
+            <a:r>
+              <a:rPr lang="en-US" dirty="0"/>
+              <a:t>” – windows is NOT supported</a:t>
+            </a:r>
+          </a:p>
+          <a:p>
+            <a:r>
+              <a:rPr lang="en-US" dirty="0"/>
+              <a:t>Even in </a:t>
+            </a:r>
+            <a:r>
+              <a:rPr lang="en-US" dirty="0" err="1"/>
+              <a:t>linux</a:t>
+            </a:r>
+            <a:r>
+              <a:rPr lang="en-US" dirty="0"/>
+              <a:t>, some operations will fail</a:t>
+            </a:r>
+          </a:p>
+          <a:p>
+            <a:r>
+              <a:rPr lang="en-US" b="1" i="1" dirty="0" err="1"/>
+              <a:t>doMC</a:t>
+            </a:r>
+            <a:r>
+              <a:rPr lang="en-US" dirty="0"/>
+              <a:t> relies on </a:t>
+            </a:r>
+            <a:r>
+              <a:rPr lang="en-US" b="1" i="1" dirty="0" err="1"/>
+              <a:t>mutlicore</a:t>
+            </a:r>
+            <a:r>
+              <a:rPr lang="en-US" dirty="0"/>
+              <a:t> – </a:t>
+            </a:r>
+            <a:r>
+              <a:rPr lang="en-US" b="1" dirty="0"/>
+              <a:t>fork</a:t>
+            </a:r>
+            <a:r>
+              <a:rPr lang="en-US" dirty="0"/>
+              <a:t> without </a:t>
+            </a:r>
+            <a:r>
+              <a:rPr lang="en-US" b="1" dirty="0"/>
+              <a:t>exec</a:t>
+            </a:r>
+          </a:p>
+          <a:p>
+            <a:r>
+              <a:rPr lang="en-US" dirty="0"/>
+              <a:t>NOT safe in </a:t>
+            </a:r>
+            <a:r>
+              <a:rPr lang="en-US" b="1" dirty="0"/>
+              <a:t>GUI</a:t>
+            </a:r>
+            <a:r>
+              <a:rPr lang="en-US" dirty="0"/>
+              <a:t> environment</a:t>
+            </a:r>
+          </a:p>
+          <a:p>
+            <a:pPr lvl="1"/>
+            <a:r>
+              <a:rPr lang="en-US" dirty="0"/>
+              <a:t>A good example is </a:t>
+            </a:r>
+            <a:r>
+              <a:rPr lang="en-US" dirty="0" err="1"/>
+              <a:t>R.app</a:t>
+            </a:r>
+            <a:r>
+              <a:rPr lang="en-US" dirty="0"/>
+              <a:t> on </a:t>
+            </a:r>
+            <a:r>
+              <a:rPr lang="en-US" dirty="0" err="1"/>
+              <a:t>MacOS</a:t>
+            </a:r>
+            <a:r>
+              <a:rPr lang="en-US" dirty="0"/>
+              <a:t> X</a:t>
+            </a:r>
+          </a:p>
+          <a:p>
+            <a:r>
+              <a:rPr lang="en-US" dirty="0"/>
+              <a:t>Lastly, anyone help with “</a:t>
+            </a:r>
+            <a:r>
+              <a:rPr lang="en-US" b="1" i="1" dirty="0"/>
+              <a:t>CPU</a:t>
+            </a:r>
+            <a:r>
+              <a:rPr lang="en-US" dirty="0"/>
+              <a:t>”, “</a:t>
+            </a:r>
+            <a:r>
+              <a:rPr lang="en-US" b="1" i="1" dirty="0"/>
+              <a:t>processor</a:t>
+            </a:r>
+            <a:r>
+              <a:rPr lang="en-US" dirty="0"/>
+              <a:t>” or “</a:t>
+            </a:r>
+            <a:r>
+              <a:rPr lang="en-US" b="1" i="1" dirty="0"/>
+              <a:t>core</a:t>
+            </a:r>
+            <a:r>
+              <a:rPr lang="en-US" dirty="0"/>
+              <a:t>” concept?</a:t>
+            </a:r>
+          </a:p>
+        </p:txBody>
+      </p:sp>
+    </p:spTree>
+    <p:extLst>
+      <p:ext uri="{BB962C8B-B14F-4D97-AF65-F5344CB8AC3E}">
+        <p14:creationId xmlns:p14="http://schemas.microsoft.com/office/powerpoint/2010/main" val="325025630"/>
+      </p:ext>
+    </p:extLst>
+  </p:cSld>
+  <p:clrMapOvr>
+    <a:masterClrMapping/>
+  </p:clrMapOvr>
+</p:sld>
+</file>
+
+<file path=ppt/slides/slide11.xml><?xml version="1.0" encoding="utf-8"?>
+<p:sld xmlns:a="http://schemas.openxmlformats.org/drawingml/2006/main" xmlns:r="http://schemas.openxmlformats.org/officeDocument/2006/relationships" xmlns:p="http://schemas.openxmlformats.org/presentationml/2006/main">
+  <p:cSld>
+    <p:spTree>
+      <p:nvGrpSpPr>
+        <p:cNvPr id="1" name=""/>
+        <p:cNvGrpSpPr/>
+        <p:nvPr/>
+      </p:nvGrpSpPr>
+      <p:grpSpPr>
+        <a:xfrm>
+          <a:off x="0" y="0"/>
+          <a:ext cx="0" cy="0"/>
+          <a:chOff x="0" y="0"/>
+          <a:chExt cx="0" cy="0"/>
+        </a:xfrm>
+      </p:grpSpPr>
+      <p:pic>
+        <p:nvPicPr>
+          <p:cNvPr id="5122" name="Picture 2"/>
+          <p:cNvPicPr>
+            <a:picLocks noChangeAspect="1" noChangeArrowheads="1"/>
+          </p:cNvPicPr>
+          <p:nvPr/>
+        </p:nvPicPr>
+        <p:blipFill>
+          <a:blip r:embed="rId2">
+            <a:extLst>
+              <a:ext uri="{28A0092B-C50C-407E-A947-70E740481C1C}">
+                <a14:useLocalDpi xmlns:a14="http://schemas.microsoft.com/office/drawing/2010/main" val="0"/>
+              </a:ext>
+            </a:extLst>
+          </a:blip>
+          <a:srcRect/>
+          <a:stretch>
+            <a:fillRect/>
+          </a:stretch>
+        </p:blipFill>
+        <p:spPr bwMode="auto">
+          <a:xfrm>
+            <a:off x="1524000" y="655725"/>
+            <a:ext cx="9144000" cy="4342074"/>
+          </a:xfrm>
+          <a:prstGeom prst="rect">
+            <a:avLst/>
+          </a:prstGeom>
+          <a:noFill/>
+          <a:ln>
+            <a:noFill/>
+          </a:ln>
+          <a:extLst>
+            <a:ext uri="{909E8E84-426E-40DD-AFC4-6F175D3DCCD1}">
+              <a14:hiddenFill xmlns:a14="http://schemas.microsoft.com/office/drawing/2010/main">
+                <a:solidFill>
+                  <a:schemeClr val="accent1"/>
+                </a:solidFill>
+              </a14:hiddenFill>
+            </a:ext>
+            <a:ext uri="{91240B29-F687-4F45-9708-019B960494DF}">
+              <a14:hiddenLine xmlns:a14="http://schemas.microsoft.com/office/drawing/2010/main" w="9525">
+                <a:solidFill>
+                  <a:schemeClr val="tx1"/>
+                </a:solidFill>
+                <a:miter lim="800000"/>
+                <a:headEnd/>
+                <a:tailEnd/>
+              </a14:hiddenLine>
+            </a:ext>
+          </a:extLst>
+        </p:spPr>
+      </p:pic>
+      <p:pic>
+        <p:nvPicPr>
+          <p:cNvPr id="5123" name="Picture 3"/>
+          <p:cNvPicPr>
+            <a:picLocks noChangeAspect="1" noChangeArrowheads="1"/>
+          </p:cNvPicPr>
+          <p:nvPr/>
+        </p:nvPicPr>
+        <p:blipFill>
+          <a:blip r:embed="rId3">
+            <a:extLst>
+              <a:ext uri="{28A0092B-C50C-407E-A947-70E740481C1C}">
+                <a14:useLocalDpi xmlns:a14="http://schemas.microsoft.com/office/drawing/2010/main" val="0"/>
+              </a:ext>
+            </a:extLst>
+          </a:blip>
+          <a:srcRect/>
+          <a:stretch>
+            <a:fillRect/>
+          </a:stretch>
+        </p:blipFill>
+        <p:spPr bwMode="auto">
+          <a:xfrm>
+            <a:off x="1512858" y="5436216"/>
+            <a:ext cx="9144000" cy="533400"/>
+          </a:xfrm>
+          <a:prstGeom prst="rect">
+            <a:avLst/>
+          </a:prstGeom>
+          <a:noFill/>
+          <a:ln>
+            <a:noFill/>
+          </a:ln>
+          <a:extLst>
+            <a:ext uri="{909E8E84-426E-40DD-AFC4-6F175D3DCCD1}">
+              <a14:hiddenFill xmlns:a14="http://schemas.microsoft.com/office/drawing/2010/main">
+                <a:solidFill>
+                  <a:schemeClr val="accent1"/>
+                </a:solidFill>
+              </a14:hiddenFill>
+            </a:ext>
+            <a:ext uri="{91240B29-F687-4F45-9708-019B960494DF}">
+              <a14:hiddenLine xmlns:a14="http://schemas.microsoft.com/office/drawing/2010/main" w="9525">
+                <a:solidFill>
+                  <a:schemeClr val="tx1"/>
+                </a:solidFill>
+                <a:miter lim="800000"/>
+                <a:headEnd/>
+                <a:tailEnd/>
+              </a14:hiddenLine>
+            </a:ext>
+          </a:extLst>
+        </p:spPr>
+      </p:pic>
+    </p:spTree>
+    <p:extLst>
+      <p:ext uri="{BB962C8B-B14F-4D97-AF65-F5344CB8AC3E}">
+        <p14:creationId xmlns:p14="http://schemas.microsoft.com/office/powerpoint/2010/main" val="3747714383"/>
+      </p:ext>
+    </p:extLst>
+  </p:cSld>
+  <p:clrMapOvr>
+    <a:masterClrMapping/>
+  </p:clrMapOvr>
+  <p:timing>
+    <p:tnLst>
+      <p:par>
+        <p:cTn id="1" dur="indefinite" restart="never" nodeType="tmRoot">
+          <p:childTnLst>
+            <p:seq concurrent="1" nextAc="seek">
+              <p:cTn id="2" dur="indefinite" nodeType="mainSeq">
+                <p:childTnLst>
+                  <p:par>
+                    <p:cTn id="3" fill="hold">
+                      <p:stCondLst>
+                        <p:cond delay="indefinite"/>
+                      </p:stCondLst>
+                      <p:childTnLst>
+                        <p:par>
+                          <p:cTn id="4" fill="hold">
+                            <p:stCondLst>
+                              <p:cond delay="0"/>
+                            </p:stCondLst>
+                            <p:childTnLst>
+                              <p:par>
+                                <p:cTn id="5" presetID="1" presetClass="entr" presetSubtype="0" fill="hold" nodeType="clickEffect">
+                                  <p:stCondLst>
+                                    <p:cond delay="0"/>
+                                  </p:stCondLst>
+                                  <p:childTnLst>
+                                    <p:set>
+                                      <p:cBhvr>
+                                        <p:cTn id="6" dur="1" fill="hold">
+                                          <p:stCondLst>
+                                            <p:cond delay="0"/>
+                                          </p:stCondLst>
+                                        </p:cTn>
+                                        <p:tgtEl>
+                                          <p:spTgt spid="5123"/>
+                                        </p:tgtEl>
+                                        <p:attrNameLst>
+                                          <p:attrName>style.visibility</p:attrName>
+                                        </p:attrNameLst>
+                                      </p:cBhvr>
+                                      <p:to>
+                                        <p:strVal val="visible"/>
+                                      </p:to>
+                                    </p:set>
+                                  </p:childTnLst>
+                                </p:cTn>
+                              </p:par>
+                            </p:childTnLst>
+                          </p:cTn>
+                        </p:par>
+                      </p:childTnLst>
+                    </p:cTn>
+                  </p:par>
+                </p:childTnLst>
+              </p:cTn>
+              <p:prevCondLst>
+                <p:cond evt="onPrev" delay="0">
+                  <p:tgtEl>
+                    <p:sldTgt/>
+                  </p:tgtEl>
+                </p:cond>
+              </p:prevCondLst>
+              <p:nextCondLst>
+                <p:cond evt="onNext" delay="0">
+                  <p:tgtEl>
+                    <p:sldTgt/>
+                  </p:tgtEl>
+                </p:cond>
+              </p:nextCondLst>
+            </p:seq>
+          </p:childTnLst>
+        </p:cTn>
+      </p:par>
+    </p:tnLst>
+  </p:timing>
+</p:sld>
+</file>
+
 <file path=ppt/slides/slide2.xml><?xml version="1.0" encoding="utf-8"?>
 <p:sld xmlns:a="http://schemas.openxmlformats.org/drawingml/2006/main" xmlns:r="http://schemas.openxmlformats.org/officeDocument/2006/relationships" xmlns:p="http://schemas.openxmlformats.org/presentationml/2006/main">
   <p:cSld>
@@ -3302,7 +4151,7 @@
           <a:p>
             <a:r>
               <a:rPr lang="en-US" dirty="0"/>
-              <a:t>Follow the instruction</a:t>
+              <a:t>Effort in recent projects</a:t>
             </a:r>
           </a:p>
         </p:txBody>
@@ -3324,21 +4173,56 @@
           <a:p>
             <a:r>
               <a:rPr lang="en-US" dirty="0">
-                <a:hlinkClick r:id="rId2"/>
+                <a:solidFill>
+                  <a:schemeClr val="bg1">
+                    <a:lumMod val="75000"/>
+                  </a:schemeClr>
+                </a:solidFill>
               </a:rPr>
-              <a:t>https://www.youtube.com/watch?v=QUIUJJyOPJw</a:t>
-            </a:r>
-            <a:endParaRPr lang="en-US" dirty="0"/>
-          </a:p>
-          <a:p>
-            <a:endParaRPr lang="en-US" dirty="0"/>
+              <a:t>NTP sample collection standard development</a:t>
+            </a:r>
+          </a:p>
+          <a:p>
+            <a:r>
+              <a:rPr lang="en-US" dirty="0">
+                <a:solidFill>
+                  <a:schemeClr val="bg1">
+                    <a:lumMod val="85000"/>
+                  </a:schemeClr>
+                </a:solidFill>
+              </a:rPr>
+              <a:t>Oxidative stress mechanistic study</a:t>
+            </a:r>
+          </a:p>
+          <a:p>
+            <a:r>
+              <a:rPr lang="en-US" dirty="0"/>
+              <a:t>R parallel with </a:t>
+            </a:r>
+            <a:r>
+              <a:rPr lang="en-US" b="1" i="1" dirty="0" err="1"/>
+              <a:t>doMC</a:t>
+            </a:r>
+            <a:endParaRPr lang="en-US" b="1" i="1" dirty="0"/>
+          </a:p>
+          <a:p>
+            <a:r>
+              <a:rPr lang="en-US" dirty="0">
+                <a:solidFill>
+                  <a:schemeClr val="bg1">
+                    <a:lumMod val="75000"/>
+                  </a:schemeClr>
+                </a:solidFill>
+              </a:rPr>
+              <a:t>microRNA from rat body map (on going)</a:t>
+            </a:r>
           </a:p>
         </p:txBody>
       </p:sp>
     </p:spTree>
     <p:extLst>
       <p:ext uri="{BB962C8B-B14F-4D97-AF65-F5344CB8AC3E}">
-        <p14:creationId xmlns:p14="http://schemas.microsoft.com/office/powerpoint/2010/main" val="869695756"/>
+        <p14:creationId xmlns:p14="http://schemas.microsoft.com/office/powerpoint/2010/main" val="2302021263"/>
       </p:ext>
     </p:extLst>
   </p:cSld>
@@ -3365,75 +4249,119 @@
           <a:chExt cx="0" cy="0"/>
         </a:xfrm>
       </p:grpSpPr>
-      <p:sp>
-        <p:nvSpPr>
-          <p:cNvPr id="2" name="Title 1"/>
-          <p:cNvSpPr>
-            <a:spLocks noGrp="1"/>
-          </p:cNvSpPr>
-          <p:nvPr>
-            <p:ph type="title"/>
-          </p:nvPr>
-        </p:nvSpPr>
-        <p:spPr/>
-        <p:txBody>
-          <a:bodyPr/>
+      <p:pic>
+        <p:nvPicPr>
+          <p:cNvPr id="3075" name="Picture 3"/>
+          <p:cNvPicPr>
+            <a:picLocks noChangeAspect="1" noChangeArrowheads="1"/>
+          </p:cNvPicPr>
+          <p:nvPr/>
+        </p:nvPicPr>
+        <p:blipFill>
+          <a:blip r:embed="rId3">
+            <a:extLst>
+              <a:ext uri="{28A0092B-C50C-407E-A947-70E740481C1C}">
+                <a14:useLocalDpi xmlns:a14="http://schemas.microsoft.com/office/drawing/2010/main" val="0"/>
+              </a:ext>
+            </a:extLst>
+          </a:blip>
+          <a:srcRect/>
+          <a:stretch>
+            <a:fillRect/>
+          </a:stretch>
+        </p:blipFill>
+        <p:spPr bwMode="auto">
+          <a:xfrm>
+            <a:off x="2754314" y="657226"/>
+            <a:ext cx="6683375" cy="5541963"/>
+          </a:xfrm>
+          <a:prstGeom prst="rect">
+            <a:avLst/>
+          </a:prstGeom>
+          <a:noFill/>
+          <a:ln>
+            <a:noFill/>
+          </a:ln>
+          <a:effectLst/>
+          <a:extLst>
+            <a:ext uri="{909E8E84-426E-40DD-AFC4-6F175D3DCCD1}">
+              <a14:hiddenFill xmlns:a14="http://schemas.microsoft.com/office/drawing/2010/main">
+                <a:solidFill>
+                  <a:schemeClr val="accent1"/>
+                </a:solidFill>
+              </a14:hiddenFill>
+            </a:ext>
+            <a:ext uri="{91240B29-F687-4F45-9708-019B960494DF}">
+              <a14:hiddenLine xmlns:a14="http://schemas.microsoft.com/office/drawing/2010/main" w="9525">
+                <a:solidFill>
+                  <a:schemeClr val="tx1"/>
+                </a:solidFill>
+                <a:miter lim="800000"/>
+                <a:headEnd/>
+                <a:tailEnd/>
+              </a14:hiddenLine>
+            </a:ext>
+            <a:ext uri="{AF507438-7753-43E0-B8FC-AC1667EBCBE1}">
+              <a14:hiddenEffects xmlns:a14="http://schemas.microsoft.com/office/drawing/2010/main">
+                <a:effectLst>
+                  <a:outerShdw dist="35921" dir="2700000" algn="ctr" rotWithShape="0">
+                    <a:schemeClr val="bg2"/>
+                  </a:outerShdw>
+                </a:effectLst>
+              </a14:hiddenEffects>
+            </a:ext>
+          </a:extLst>
+        </p:spPr>
+      </p:pic>
+      <p:sp>
+        <p:nvSpPr>
+          <p:cNvPr id="2" name="TextBox 1"/>
+          <p:cNvSpPr txBox="1"/>
+          <p:nvPr/>
+        </p:nvSpPr>
+        <p:spPr>
+          <a:xfrm>
+            <a:off x="6010308" y="6400800"/>
+            <a:ext cx="4555927" cy="369332"/>
+          </a:xfrm>
+          <a:prstGeom prst="rect">
+            <a:avLst/>
+          </a:prstGeom>
+          <a:noFill/>
+        </p:spPr>
+        <p:txBody>
+          <a:bodyPr wrap="none" rtlCol="0">
+            <a:spAutoFit/>
+          </a:bodyPr>
           <a:lstStyle/>
           <a:p>
             <a:r>
               <a:rPr lang="en-US" dirty="0"/>
-              <a:t>What is an instruction manual?</a:t>
-            </a:r>
-          </a:p>
-        </p:txBody>
-      </p:sp>
-      <p:sp>
-        <p:nvSpPr>
-          <p:cNvPr id="3" name="Content Placeholder 2"/>
-          <p:cNvSpPr>
-            <a:spLocks noGrp="1"/>
-          </p:cNvSpPr>
-          <p:nvPr>
-            <p:ph idx="1"/>
-          </p:nvPr>
-        </p:nvSpPr>
-        <p:spPr/>
-        <p:txBody>
-          <a:bodyPr/>
-          <a:lstStyle/>
-          <a:p>
+              <a:t>Vera, G. et al. </a:t>
+            </a:r>
+            <a:r>
+              <a:rPr lang="en-US" b="1" dirty="0"/>
+              <a:t>2008</a:t>
+            </a:r>
             <a:r>
               <a:rPr lang="en-US" dirty="0"/>
-              <a:t>List out all the safety alert</a:t>
-            </a:r>
-          </a:p>
-          <a:p>
+              <a:t>, BMC Bioinformatics </a:t>
+            </a:r>
+            <a:r>
+              <a:rPr lang="en-US" b="1" dirty="0"/>
+              <a:t>9</a:t>
+            </a:r>
             <a:r>
               <a:rPr lang="en-US" dirty="0"/>
-              <a:t>List out all the equipment one need</a:t>
-            </a:r>
-          </a:p>
-          <a:p>
-            <a:r>
-              <a:rPr lang="en-US" dirty="0"/>
-              <a:t>List out the RIGHT procedure to conduct a job</a:t>
-            </a:r>
-          </a:p>
-          <a:p>
-            <a:r>
-              <a:rPr lang="en-US" dirty="0"/>
-              <a:t>Provides salvage strategies</a:t>
-            </a:r>
-          </a:p>
-          <a:p>
-            <a:endParaRPr lang="en-US" dirty="0"/>
+              <a:t>:390 </a:t>
+            </a:r>
           </a:p>
         </p:txBody>
       </p:sp>
     </p:spTree>
     <p:extLst>
       <p:ext uri="{BB962C8B-B14F-4D97-AF65-F5344CB8AC3E}">
-        <p14:creationId xmlns:p14="http://schemas.microsoft.com/office/powerpoint/2010/main" val="1685930561"/>
+        <p14:creationId xmlns:p14="http://schemas.microsoft.com/office/powerpoint/2010/main" val="1389310690"/>
       </p:ext>
     </p:extLst>
   </p:cSld>
@@ -3460,81 +4388,664 @@
           <a:chExt cx="0" cy="0"/>
         </a:xfrm>
       </p:grpSpPr>
-      <p:sp>
-        <p:nvSpPr>
-          <p:cNvPr id="2" name="Title 1"/>
-          <p:cNvSpPr>
-            <a:spLocks noGrp="1"/>
-          </p:cNvSpPr>
-          <p:nvPr>
-            <p:ph type="title"/>
-          </p:nvPr>
-        </p:nvSpPr>
-        <p:spPr/>
-        <p:txBody>
-          <a:bodyPr/>
-          <a:lstStyle/>
-          <a:p>
-            <a:r>
-              <a:rPr lang="en-US" dirty="0"/>
-              <a:t>Timothy, 3:16 - 17</a:t>
-            </a:r>
-          </a:p>
-        </p:txBody>
-      </p:sp>
-      <p:sp>
-        <p:nvSpPr>
-          <p:cNvPr id="3" name="Content Placeholder 2"/>
-          <p:cNvSpPr>
-            <a:spLocks noGrp="1"/>
-          </p:cNvSpPr>
-          <p:nvPr>
-            <p:ph idx="1"/>
-          </p:nvPr>
-        </p:nvSpPr>
-        <p:spPr/>
-        <p:txBody>
-          <a:bodyPr>
-            <a:normAutofit/>
-          </a:bodyPr>
-          <a:lstStyle/>
-          <a:p>
-            <a:r>
-              <a:rPr lang="en-US" sz="4800" dirty="0"/>
-              <a:t>All Scripture is God-breathed and is useful for teaching, rebuking, correcting and training in righteousness, </a:t>
-            </a:r>
-          </a:p>
-          <a:p>
-            <a:r>
-              <a:rPr lang="en-US" sz="4800" b="1" baseline="30000" dirty="0"/>
-              <a:t> </a:t>
-            </a:r>
-            <a:r>
-              <a:rPr lang="en-US" sz="4800" dirty="0"/>
-              <a:t>So that the servant of God</a:t>
-            </a:r>
-            <a:r>
-              <a:rPr lang="en-US" sz="4800" baseline="30000" dirty="0"/>
-              <a:t> </a:t>
-            </a:r>
-            <a:r>
-              <a:rPr lang="en-US" sz="4800" dirty="0"/>
-              <a:t>may be thoroughly equipped for every good work.</a:t>
-            </a:r>
-            <a:endParaRPr lang="en-US" sz="4800" dirty="0"/>
-          </a:p>
-        </p:txBody>
-      </p:sp>
+      <p:pic>
+        <p:nvPicPr>
+          <p:cNvPr id="4098" name="Picture 2"/>
+          <p:cNvPicPr>
+            <a:picLocks noChangeAspect="1" noChangeArrowheads="1"/>
+          </p:cNvPicPr>
+          <p:nvPr/>
+        </p:nvPicPr>
+        <p:blipFill>
+          <a:blip r:embed="rId2">
+            <a:extLst>
+              <a:ext uri="{28A0092B-C50C-407E-A947-70E740481C1C}">
+                <a14:useLocalDpi xmlns:a14="http://schemas.microsoft.com/office/drawing/2010/main" val="0"/>
+              </a:ext>
+            </a:extLst>
+          </a:blip>
+          <a:srcRect/>
+          <a:stretch>
+            <a:fillRect/>
+          </a:stretch>
+        </p:blipFill>
+        <p:spPr bwMode="auto">
+          <a:xfrm>
+            <a:off x="3581400" y="152401"/>
+            <a:ext cx="4765520" cy="6586687"/>
+          </a:xfrm>
+          <a:prstGeom prst="rect">
+            <a:avLst/>
+          </a:prstGeom>
+          <a:noFill/>
+          <a:ln>
+            <a:noFill/>
+          </a:ln>
+          <a:extLst>
+            <a:ext uri="{909E8E84-426E-40DD-AFC4-6F175D3DCCD1}">
+              <a14:hiddenFill xmlns:a14="http://schemas.microsoft.com/office/drawing/2010/main">
+                <a:solidFill>
+                  <a:schemeClr val="accent1"/>
+                </a:solidFill>
+              </a14:hiddenFill>
+            </a:ext>
+            <a:ext uri="{91240B29-F687-4F45-9708-019B960494DF}">
+              <a14:hiddenLine xmlns:a14="http://schemas.microsoft.com/office/drawing/2010/main" w="9525">
+                <a:solidFill>
+                  <a:schemeClr val="tx1"/>
+                </a:solidFill>
+                <a:miter lim="800000"/>
+                <a:headEnd/>
+                <a:tailEnd/>
+              </a14:hiddenLine>
+            </a:ext>
+          </a:extLst>
+        </p:spPr>
+      </p:pic>
     </p:spTree>
     <p:extLst>
       <p:ext uri="{BB962C8B-B14F-4D97-AF65-F5344CB8AC3E}">
-        <p14:creationId xmlns:p14="http://schemas.microsoft.com/office/powerpoint/2010/main" val="1818403475"/>
+        <p14:creationId xmlns:p14="http://schemas.microsoft.com/office/powerpoint/2010/main" val="734607928"/>
       </p:ext>
     </p:extLst>
   </p:cSld>
   <p:clrMapOvr>
     <a:masterClrMapping/>
   </p:clrMapOvr>
+</p:sld>
+</file>
+
+<file path=ppt/slides/slide7.xml><?xml version="1.0" encoding="utf-8"?>
+<p:sld xmlns:a="http://schemas.openxmlformats.org/drawingml/2006/main" xmlns:r="http://schemas.openxmlformats.org/officeDocument/2006/relationships" xmlns:p="http://schemas.openxmlformats.org/presentationml/2006/main">
+  <p:cSld>
+    <p:spTree>
+      <p:nvGrpSpPr>
+        <p:cNvPr id="1" name=""/>
+        <p:cNvGrpSpPr/>
+        <p:nvPr/>
+      </p:nvGrpSpPr>
+      <p:grpSpPr>
+        <a:xfrm>
+          <a:off x="0" y="0"/>
+          <a:ext cx="0" cy="0"/>
+          <a:chOff x="0" y="0"/>
+          <a:chExt cx="0" cy="0"/>
+        </a:xfrm>
+      </p:grpSpPr>
+      <p:sp>
+        <p:nvSpPr>
+          <p:cNvPr id="2" name="Title 1"/>
+          <p:cNvSpPr>
+            <a:spLocks noGrp="1"/>
+          </p:cNvSpPr>
+          <p:nvPr>
+            <p:ph type="title"/>
+          </p:nvPr>
+        </p:nvSpPr>
+        <p:spPr/>
+        <p:txBody>
+          <a:bodyPr/>
+          <a:lstStyle/>
+          <a:p>
+            <a:r>
+              <a:rPr lang="en-US" dirty="0"/>
+              <a:t>A working solution</a:t>
+            </a:r>
+          </a:p>
+        </p:txBody>
+      </p:sp>
+      <p:sp>
+        <p:nvSpPr>
+          <p:cNvPr id="3" name="Content Placeholder 2"/>
+          <p:cNvSpPr>
+            <a:spLocks noGrp="1"/>
+          </p:cNvSpPr>
+          <p:nvPr>
+            <p:ph idx="1"/>
+          </p:nvPr>
+        </p:nvSpPr>
+        <p:spPr/>
+        <p:txBody>
+          <a:bodyPr/>
+          <a:lstStyle/>
+          <a:p>
+            <a:r>
+              <a:rPr lang="en-US" b="1" i="1" dirty="0" err="1"/>
+              <a:t>doMC</a:t>
+            </a:r>
+            <a:r>
+              <a:rPr lang="en-US" b="1" i="1" dirty="0"/>
+              <a:t> </a:t>
+            </a:r>
+            <a:r>
+              <a:rPr lang="en-US" dirty="0"/>
+              <a:t>package – Steve Weston</a:t>
+            </a:r>
+          </a:p>
+          <a:p>
+            <a:r>
+              <a:rPr lang="en-US" dirty="0"/>
+              <a:t>An interface between </a:t>
+            </a:r>
+            <a:r>
+              <a:rPr lang="en-US" b="1" i="1" dirty="0" err="1"/>
+              <a:t>foreach</a:t>
+            </a:r>
+            <a:r>
+              <a:rPr lang="en-US" dirty="0"/>
+              <a:t> and </a:t>
+            </a:r>
+            <a:r>
+              <a:rPr lang="en-US" b="1" i="1" dirty="0"/>
+              <a:t>multicore</a:t>
+            </a:r>
+          </a:p>
+          <a:p>
+            <a:r>
+              <a:rPr lang="en-US" dirty="0"/>
+              <a:t>Therefore, two main components</a:t>
+            </a:r>
+          </a:p>
+          <a:p>
+            <a:pPr lvl="1"/>
+            <a:r>
+              <a:rPr lang="en-US" b="1" i="1" dirty="0" err="1"/>
+              <a:t>registerDoMC</a:t>
+            </a:r>
+            <a:r>
+              <a:rPr lang="en-US" b="1" i="1" dirty="0"/>
+              <a:t>()</a:t>
+            </a:r>
+          </a:p>
+          <a:p>
+            <a:pPr lvl="1"/>
+            <a:r>
+              <a:rPr lang="en-US" b="1" i="1" dirty="0" err="1"/>
+              <a:t>foreach</a:t>
+            </a:r>
+            <a:r>
+              <a:rPr lang="en-US" dirty="0"/>
+              <a:t> paired with </a:t>
+            </a:r>
+            <a:r>
+              <a:rPr lang="en-US" b="1" i="1" dirty="0"/>
+              <a:t>%</a:t>
+            </a:r>
+            <a:r>
+              <a:rPr lang="en-US" b="1" i="1" dirty="0" err="1"/>
+              <a:t>dopar</a:t>
+            </a:r>
+            <a:r>
+              <a:rPr lang="en-US" b="1" i="1" dirty="0"/>
+              <a:t>%</a:t>
+            </a:r>
+          </a:p>
+          <a:p>
+            <a:r>
+              <a:rPr lang="en-US" dirty="0"/>
+              <a:t>A good example in genomic science would be</a:t>
+            </a:r>
+          </a:p>
+          <a:p>
+            <a:pPr lvl="1"/>
+            <a:r>
+              <a:rPr lang="en-US" b="1" i="1" dirty="0" err="1"/>
+              <a:t>foreach</a:t>
+            </a:r>
+            <a:r>
+              <a:rPr lang="en-US" dirty="0"/>
+              <a:t> (</a:t>
+            </a:r>
+            <a:r>
+              <a:rPr lang="en-US" dirty="0" err="1"/>
+              <a:t>chr</a:t>
+            </a:r>
+            <a:r>
+              <a:rPr lang="en-US" dirty="0"/>
+              <a:t> in </a:t>
+            </a:r>
+            <a:r>
+              <a:rPr lang="en-US" dirty="0" err="1"/>
+              <a:t>chrs</a:t>
+            </a:r>
+            <a:r>
+              <a:rPr lang="en-US" dirty="0"/>
+              <a:t>) </a:t>
+            </a:r>
+            <a:r>
+              <a:rPr lang="en-US" b="1" i="1" dirty="0"/>
+              <a:t>%</a:t>
+            </a:r>
+            <a:r>
+              <a:rPr lang="en-US" b="1" i="1" dirty="0" err="1"/>
+              <a:t>dopar</a:t>
+            </a:r>
+            <a:r>
+              <a:rPr lang="en-US" b="1" i="1" dirty="0"/>
+              <a:t>% </a:t>
+            </a:r>
+            <a:r>
+              <a:rPr lang="en-US" dirty="0" err="1"/>
+              <a:t>whateverFunction</a:t>
+            </a:r>
+            <a:endParaRPr lang="en-US" dirty="0"/>
+          </a:p>
+          <a:p>
+            <a:pPr lvl="1"/>
+            <a:endParaRPr lang="en-US" dirty="0"/>
+          </a:p>
+        </p:txBody>
+      </p:sp>
+    </p:spTree>
+    <p:extLst>
+      <p:ext uri="{BB962C8B-B14F-4D97-AF65-F5344CB8AC3E}">
+        <p14:creationId xmlns:p14="http://schemas.microsoft.com/office/powerpoint/2010/main" val="4029212606"/>
+      </p:ext>
+    </p:extLst>
+  </p:cSld>
+  <p:clrMapOvr>
+    <a:masterClrMapping/>
+  </p:clrMapOvr>
+</p:sld>
+</file>
+
+<file path=ppt/slides/slide8.xml><?xml version="1.0" encoding="utf-8"?>
+<p:sld xmlns:a="http://schemas.openxmlformats.org/drawingml/2006/main" xmlns:r="http://schemas.openxmlformats.org/officeDocument/2006/relationships" xmlns:p="http://schemas.openxmlformats.org/presentationml/2006/main">
+  <p:cSld>
+    <p:spTree>
+      <p:nvGrpSpPr>
+        <p:cNvPr id="1" name=""/>
+        <p:cNvGrpSpPr/>
+        <p:nvPr/>
+      </p:nvGrpSpPr>
+      <p:grpSpPr>
+        <a:xfrm>
+          <a:off x="0" y="0"/>
+          <a:ext cx="0" cy="0"/>
+          <a:chOff x="0" y="0"/>
+          <a:chExt cx="0" cy="0"/>
+        </a:xfrm>
+      </p:grpSpPr>
+      <p:pic>
+        <p:nvPicPr>
+          <p:cNvPr id="4098" name="Picture 2"/>
+          <p:cNvPicPr>
+            <a:picLocks noChangeAspect="1" noChangeArrowheads="1"/>
+          </p:cNvPicPr>
+          <p:nvPr/>
+        </p:nvPicPr>
+        <p:blipFill>
+          <a:blip r:embed="rId2">
+            <a:extLst>
+              <a:ext uri="{28A0092B-C50C-407E-A947-70E740481C1C}">
+                <a14:useLocalDpi xmlns:a14="http://schemas.microsoft.com/office/drawing/2010/main" val="0"/>
+              </a:ext>
+            </a:extLst>
+          </a:blip>
+          <a:srcRect/>
+          <a:stretch>
+            <a:fillRect/>
+          </a:stretch>
+        </p:blipFill>
+        <p:spPr bwMode="auto">
+          <a:xfrm>
+            <a:off x="2691168" y="-131"/>
+            <a:ext cx="6882159" cy="6864890"/>
+          </a:xfrm>
+          <a:prstGeom prst="rect">
+            <a:avLst/>
+          </a:prstGeom>
+          <a:noFill/>
+          <a:ln>
+            <a:noFill/>
+          </a:ln>
+          <a:extLst>
+            <a:ext uri="{909E8E84-426E-40DD-AFC4-6F175D3DCCD1}">
+              <a14:hiddenFill xmlns:a14="http://schemas.microsoft.com/office/drawing/2010/main">
+                <a:solidFill>
+                  <a:schemeClr val="accent1"/>
+                </a:solidFill>
+              </a14:hiddenFill>
+            </a:ext>
+            <a:ext uri="{91240B29-F687-4F45-9708-019B960494DF}">
+              <a14:hiddenLine xmlns:a14="http://schemas.microsoft.com/office/drawing/2010/main" w="9525">
+                <a:solidFill>
+                  <a:schemeClr val="tx1"/>
+                </a:solidFill>
+                <a:miter lim="800000"/>
+                <a:headEnd/>
+                <a:tailEnd/>
+              </a14:hiddenLine>
+            </a:ext>
+          </a:extLst>
+        </p:spPr>
+      </p:pic>
+    </p:spTree>
+    <p:extLst>
+      <p:ext uri="{BB962C8B-B14F-4D97-AF65-F5344CB8AC3E}">
+        <p14:creationId xmlns:p14="http://schemas.microsoft.com/office/powerpoint/2010/main" val="2004640066"/>
+      </p:ext>
+    </p:extLst>
+  </p:cSld>
+  <p:clrMapOvr>
+    <a:masterClrMapping/>
+  </p:clrMapOvr>
+</p:sld>
+</file>
+
+<file path=ppt/slides/slide9.xml><?xml version="1.0" encoding="utf-8"?>
+<p:sld xmlns:a="http://schemas.openxmlformats.org/drawingml/2006/main" xmlns:r="http://schemas.openxmlformats.org/officeDocument/2006/relationships" xmlns:p="http://schemas.openxmlformats.org/presentationml/2006/main">
+  <p:cSld>
+    <p:spTree>
+      <p:nvGrpSpPr>
+        <p:cNvPr id="1" name=""/>
+        <p:cNvGrpSpPr/>
+        <p:nvPr/>
+      </p:nvGrpSpPr>
+      <p:grpSpPr>
+        <a:xfrm>
+          <a:off x="0" y="0"/>
+          <a:ext cx="0" cy="0"/>
+          <a:chOff x="0" y="0"/>
+          <a:chExt cx="0" cy="0"/>
+        </a:xfrm>
+      </p:grpSpPr>
+      <p:pic>
+        <p:nvPicPr>
+          <p:cNvPr id="3074" name="Picture 2"/>
+          <p:cNvPicPr>
+            <a:picLocks noChangeAspect="1" noChangeArrowheads="1"/>
+          </p:cNvPicPr>
+          <p:nvPr/>
+        </p:nvPicPr>
+        <p:blipFill>
+          <a:blip r:embed="rId2">
+            <a:extLst>
+              <a:ext uri="{28A0092B-C50C-407E-A947-70E740481C1C}">
+                <a14:useLocalDpi xmlns:a14="http://schemas.microsoft.com/office/drawing/2010/main" val="0"/>
+              </a:ext>
+            </a:extLst>
+          </a:blip>
+          <a:srcRect/>
+          <a:stretch>
+            <a:fillRect/>
+          </a:stretch>
+        </p:blipFill>
+        <p:spPr bwMode="auto">
+          <a:xfrm>
+            <a:off x="1524000" y="-11151"/>
+            <a:ext cx="9143999" cy="1879876"/>
+          </a:xfrm>
+          <a:prstGeom prst="rect">
+            <a:avLst/>
+          </a:prstGeom>
+          <a:noFill/>
+          <a:ln>
+            <a:noFill/>
+          </a:ln>
+          <a:extLst>
+            <a:ext uri="{909E8E84-426E-40DD-AFC4-6F175D3DCCD1}">
+              <a14:hiddenFill xmlns:a14="http://schemas.microsoft.com/office/drawing/2010/main">
+                <a:solidFill>
+                  <a:schemeClr val="accent1"/>
+                </a:solidFill>
+              </a14:hiddenFill>
+            </a:ext>
+            <a:ext uri="{91240B29-F687-4F45-9708-019B960494DF}">
+              <a14:hiddenLine xmlns:a14="http://schemas.microsoft.com/office/drawing/2010/main" w="9525">
+                <a:solidFill>
+                  <a:schemeClr val="tx1"/>
+                </a:solidFill>
+                <a:miter lim="800000"/>
+                <a:headEnd/>
+                <a:tailEnd/>
+              </a14:hiddenLine>
+            </a:ext>
+          </a:extLst>
+        </p:spPr>
+      </p:pic>
+      <p:pic>
+        <p:nvPicPr>
+          <p:cNvPr id="3075" name="Picture 3"/>
+          <p:cNvPicPr>
+            <a:picLocks noChangeAspect="1" noChangeArrowheads="1"/>
+          </p:cNvPicPr>
+          <p:nvPr/>
+        </p:nvPicPr>
+        <p:blipFill>
+          <a:blip r:embed="rId3">
+            <a:extLst>
+              <a:ext uri="{28A0092B-C50C-407E-A947-70E740481C1C}">
+                <a14:useLocalDpi xmlns:a14="http://schemas.microsoft.com/office/drawing/2010/main" val="0"/>
+              </a:ext>
+            </a:extLst>
+          </a:blip>
+          <a:srcRect/>
+          <a:stretch>
+            <a:fillRect/>
+          </a:stretch>
+        </p:blipFill>
+        <p:spPr bwMode="auto">
+          <a:xfrm>
+            <a:off x="3505202" y="1874302"/>
+            <a:ext cx="4648199" cy="1018177"/>
+          </a:xfrm>
+          <a:prstGeom prst="rect">
+            <a:avLst/>
+          </a:prstGeom>
+          <a:noFill/>
+          <a:ln>
+            <a:noFill/>
+          </a:ln>
+          <a:extLst>
+            <a:ext uri="{909E8E84-426E-40DD-AFC4-6F175D3DCCD1}">
+              <a14:hiddenFill xmlns:a14="http://schemas.microsoft.com/office/drawing/2010/main">
+                <a:solidFill>
+                  <a:schemeClr val="accent1"/>
+                </a:solidFill>
+              </a14:hiddenFill>
+            </a:ext>
+            <a:ext uri="{91240B29-F687-4F45-9708-019B960494DF}">
+              <a14:hiddenLine xmlns:a14="http://schemas.microsoft.com/office/drawing/2010/main" w="9525">
+                <a:solidFill>
+                  <a:schemeClr val="tx1"/>
+                </a:solidFill>
+                <a:miter lim="800000"/>
+                <a:headEnd/>
+                <a:tailEnd/>
+              </a14:hiddenLine>
+            </a:ext>
+          </a:extLst>
+        </p:spPr>
+      </p:pic>
+      <p:pic>
+        <p:nvPicPr>
+          <p:cNvPr id="2" name="Picture 2"/>
+          <p:cNvPicPr>
+            <a:picLocks noChangeAspect="1" noChangeArrowheads="1"/>
+          </p:cNvPicPr>
+          <p:nvPr/>
+        </p:nvPicPr>
+        <p:blipFill>
+          <a:blip r:embed="rId4">
+            <a:extLst>
+              <a:ext uri="{28A0092B-C50C-407E-A947-70E740481C1C}">
+                <a14:useLocalDpi xmlns:a14="http://schemas.microsoft.com/office/drawing/2010/main" val="0"/>
+              </a:ext>
+            </a:extLst>
+          </a:blip>
+          <a:srcRect/>
+          <a:stretch>
+            <a:fillRect/>
+          </a:stretch>
+        </p:blipFill>
+        <p:spPr bwMode="auto">
+          <a:xfrm>
+            <a:off x="2923483" y="2859114"/>
+            <a:ext cx="6410327" cy="3995169"/>
+          </a:xfrm>
+          <a:prstGeom prst="rect">
+            <a:avLst/>
+          </a:prstGeom>
+          <a:noFill/>
+          <a:ln>
+            <a:noFill/>
+          </a:ln>
+          <a:extLst>
+            <a:ext uri="{909E8E84-426E-40DD-AFC4-6F175D3DCCD1}">
+              <a14:hiddenFill xmlns:a14="http://schemas.microsoft.com/office/drawing/2010/main">
+                <a:solidFill>
+                  <a:schemeClr val="accent1"/>
+                </a:solidFill>
+              </a14:hiddenFill>
+            </a:ext>
+            <a:ext uri="{91240B29-F687-4F45-9708-019B960494DF}">
+              <a14:hiddenLine xmlns:a14="http://schemas.microsoft.com/office/drawing/2010/main" w="9525">
+                <a:solidFill>
+                  <a:schemeClr val="tx1"/>
+                </a:solidFill>
+                <a:miter lim="800000"/>
+                <a:headEnd/>
+                <a:tailEnd/>
+              </a14:hiddenLine>
+            </a:ext>
+          </a:extLst>
+        </p:spPr>
+      </p:pic>
+      <p:sp>
+        <p:nvSpPr>
+          <p:cNvPr id="3" name="Rectangle 2"/>
+          <p:cNvSpPr/>
+          <p:nvPr/>
+        </p:nvSpPr>
+        <p:spPr>
+          <a:xfrm>
+            <a:off x="2878878" y="6488151"/>
+            <a:ext cx="2905818" cy="304800"/>
+          </a:xfrm>
+          <a:prstGeom prst="rect">
+            <a:avLst/>
+          </a:prstGeom>
+          <a:noFill/>
+          <a:ln>
+            <a:solidFill>
+              <a:srgbClr val="FF0000"/>
+            </a:solidFill>
+          </a:ln>
+        </p:spPr>
+        <p:style>
+          <a:lnRef idx="2">
+            <a:schemeClr val="accent1">
+              <a:shade val="50000"/>
+            </a:schemeClr>
+          </a:lnRef>
+          <a:fillRef idx="1">
+            <a:schemeClr val="accent1"/>
+          </a:fillRef>
+          <a:effectRef idx="0">
+            <a:schemeClr val="accent1"/>
+          </a:effectRef>
+          <a:fontRef idx="minor">
+            <a:schemeClr val="lt1"/>
+          </a:fontRef>
+        </p:style>
+        <p:txBody>
+          <a:bodyPr rtlCol="0" anchor="ctr"/>
+          <a:lstStyle/>
+          <a:p>
+            <a:pPr algn="ctr"/>
+            <a:endParaRPr lang="en-US"/>
+          </a:p>
+        </p:txBody>
+      </p:sp>
+    </p:spTree>
+    <p:extLst>
+      <p:ext uri="{BB962C8B-B14F-4D97-AF65-F5344CB8AC3E}">
+        <p14:creationId xmlns:p14="http://schemas.microsoft.com/office/powerpoint/2010/main" val="1313988794"/>
+      </p:ext>
+    </p:extLst>
+  </p:cSld>
+  <p:clrMapOvr>
+    <a:masterClrMapping/>
+  </p:clrMapOvr>
+  <p:timing>
+    <p:tnLst>
+      <p:par>
+        <p:cTn id="1" dur="indefinite" restart="never" nodeType="tmRoot">
+          <p:childTnLst>
+            <p:seq concurrent="1" nextAc="seek">
+              <p:cTn id="2" dur="indefinite" nodeType="mainSeq">
+                <p:childTnLst>
+                  <p:par>
+                    <p:cTn id="3" fill="hold">
+                      <p:stCondLst>
+                        <p:cond delay="indefinite"/>
+                      </p:stCondLst>
+                      <p:childTnLst>
+                        <p:par>
+                          <p:cTn id="4" fill="hold">
+                            <p:stCondLst>
+                              <p:cond delay="0"/>
+                            </p:stCondLst>
+                            <p:childTnLst>
+                              <p:par>
+                                <p:cTn id="5" presetID="1" presetClass="entr" presetSubtype="0" fill="hold" grpId="0" nodeType="clickEffect">
+                                  <p:stCondLst>
+                                    <p:cond delay="0"/>
+                                  </p:stCondLst>
+                                  <p:childTnLst>
+                                    <p:set>
+                                      <p:cBhvr>
+                                        <p:cTn id="6" dur="1" fill="hold">
+                                          <p:stCondLst>
+                                            <p:cond delay="0"/>
+                                          </p:stCondLst>
+                                        </p:cTn>
+                                        <p:tgtEl>
+                                          <p:spTgt spid="3"/>
+                                        </p:tgtEl>
+                                        <p:attrNameLst>
+                                          <p:attrName>style.visibility</p:attrName>
+                                        </p:attrNameLst>
+                                      </p:cBhvr>
+                                      <p:to>
+                                        <p:strVal val="visible"/>
+                                      </p:to>
+                                    </p:set>
+                                  </p:childTnLst>
+                                </p:cTn>
+                              </p:par>
+                            </p:childTnLst>
+                          </p:cTn>
+                        </p:par>
+                      </p:childTnLst>
+                    </p:cTn>
+                  </p:par>
+                </p:childTnLst>
+              </p:cTn>
+              <p:prevCondLst>
+                <p:cond evt="onPrev" delay="0">
+                  <p:tgtEl>
+                    <p:sldTgt/>
+                  </p:tgtEl>
+                </p:cond>
+              </p:prevCondLst>
+              <p:nextCondLst>
+                <p:cond evt="onNext" delay="0">
+                  <p:tgtEl>
+                    <p:sldTgt/>
+                  </p:tgtEl>
+                </p:cond>
+              </p:nextCondLst>
+            </p:seq>
+          </p:childTnLst>
+        </p:cTn>
+      </p:par>
+    </p:tnLst>
+    <p:bldLst>
+      <p:bldP spid="3" grpId="0" animBg="1"/>
+    </p:bldLst>
+  </p:timing>
 </p:sld>
 </file>
 
@@ -3831,4 +5342,299 @@
     </a:ext>
   </a:extLst>
 </a:theme>
+</file>
+
+<file path=ppt/theme/theme2.xml><?xml version="1.0" encoding="utf-8"?>
+<a:theme xmlns:a="http://schemas.openxmlformats.org/drawingml/2006/main" name="Office Theme">
+  <a:themeElements>
+    <a:clrScheme name="Office">
+      <a:dk1>
+        <a:sysClr val="windowText" lastClr="000000"/>
+      </a:dk1>
+      <a:lt1>
+        <a:sysClr val="window" lastClr="FFFFFF"/>
+      </a:lt1>
+      <a:dk2>
+        <a:srgbClr val="44546A"/>
+      </a:dk2>
+      <a:lt2>
+        <a:srgbClr val="E7E6E6"/>
+      </a:lt2>
+      <a:accent1>
+        <a:srgbClr val="4472C4"/>
+      </a:accent1>
+      <a:accent2>
+        <a:srgbClr val="ED7D31"/>
+      </a:accent2>
+      <a:accent3>
+        <a:srgbClr val="A5A5A5"/>
+      </a:accent3>
+      <a:accent4>
+        <a:srgbClr val="FFC000"/>
+      </a:accent4>
+      <a:accent5>
+        <a:srgbClr val="5B9BD5"/>
+      </a:accent5>
+      <a:accent6>
+        <a:srgbClr val="70AD47"/>
+      </a:accent6>
+      <a:hlink>
+        <a:srgbClr val="0563C1"/>
+      </a:hlink>
+      <a:folHlink>
+        <a:srgbClr val="954F72"/>
+      </a:folHlink>
+    </a:clrScheme>
+    <a:fontScheme name="Office">
+      <a:majorFont>
+        <a:latin typeface="Calibri Light" panose="020F0302020204030204"/>
+        <a:ea typeface=""/>
+        <a:cs typeface=""/>
+        <a:font script="Jpan" typeface="游ゴシック Light"/>
+        <a:font script="Hang" typeface="맑은 고딕"/>
+        <a:font script="Hans" typeface="等线 Light"/>
+        <a:font script="Hant" typeface="新細明體"/>
+        <a:font script="Arab" typeface="Times New Roman"/>
+        <a:font script="Hebr" typeface="Times New Roman"/>
+        <a:font script="Thai" typeface="Angsana New"/>
+        <a:font script="Ethi" typeface="Nyala"/>
+        <a:font script="Beng" typeface="Vrinda"/>
+        <a:font script="Gujr" typeface="Shruti"/>
+        <a:font script="Khmr" typeface="MoolBoran"/>
+        <a:font script="Knda" typeface="Tunga"/>
+        <a:font script="Guru" typeface="Raavi"/>
+        <a:font script="Cans" typeface="Euphemia"/>
+        <a:font script="Cher" typeface="Plantagenet Cherokee"/>
+        <a:font script="Yiii" typeface="Microsoft Yi Baiti"/>
+        <a:font script="Tibt" typeface="Microsoft Himalaya"/>
+        <a:font script="Thaa" typeface="MV Boli"/>
+        <a:font script="Deva" typeface="Mangal"/>
+        <a:font script="Telu" typeface="Gautami"/>
+        <a:font script="Taml" typeface="Latha"/>
+        <a:font script="Syrc" typeface="Estrangelo Edessa"/>
+        <a:font script="Orya" typeface="Kalinga"/>
+        <a:font script="Mlym" typeface="Kartika"/>
+        <a:font script="Laoo" typeface="DokChampa"/>
+        <a:font script="Sinh" typeface="Iskoola Pota"/>
+        <a:font script="Mong" typeface="Mongolian Baiti"/>
+        <a:font script="Viet" typeface="Times New Roman"/>
+        <a:font script="Uigh" typeface="Microsoft Uighur"/>
+        <a:font script="Geor" typeface="Sylfaen"/>
+        <a:font script="Armn" typeface="Arial"/>
+        <a:font script="Bugi" typeface="Leelawadee UI"/>
+        <a:font script="Bopo" typeface="Microsoft JhengHei"/>
+        <a:font script="Java" typeface="Javanese Text"/>
+        <a:font script="Lisu" typeface="Segoe UI"/>
+        <a:font script="Mymr" typeface="Myanmar Text"/>
+        <a:font script="Nkoo" typeface="Ebrima"/>
+        <a:font script="Olck" typeface="Nirmala UI"/>
+        <a:font script="Osma" typeface="Ebrima"/>
+        <a:font script="Phag" typeface="Phagspa"/>
+        <a:font script="Syrn" typeface="Estrangelo Edessa"/>
+        <a:font script="Syrj" typeface="Estrangelo Edessa"/>
+        <a:font script="Syre" typeface="Estrangelo Edessa"/>
+        <a:font script="Sora" typeface="Nirmala UI"/>
+        <a:font script="Tale" typeface="Microsoft Tai Le"/>
+        <a:font script="Talu" typeface="Microsoft New Tai Lue"/>
+        <a:font script="Tfng" typeface="Ebrima"/>
+      </a:majorFont>
+      <a:minorFont>
+        <a:latin typeface="Calibri" panose="020F0502020204030204"/>
+        <a:ea typeface=""/>
+        <a:cs typeface=""/>
+        <a:font script="Jpan" typeface="游ゴシック"/>
+        <a:font script="Hang" typeface="맑은 고딕"/>
+        <a:font script="Hans" typeface="等线"/>
+        <a:font script="Hant" typeface="新細明體"/>
+        <a:font script="Arab" typeface="Arial"/>
+        <a:font script="Hebr" typeface="Arial"/>
+        <a:font script="Thai" typeface="Cordia New"/>
+        <a:font script="Ethi" typeface="Nyala"/>
+        <a:font script="Beng" typeface="Vrinda"/>
+        <a:font script="Gujr" typeface="Shruti"/>
+        <a:font script="Khmr" typeface="DaunPenh"/>
+        <a:font script="Knda" typeface="Tunga"/>
+        <a:font script="Guru" typeface="Raavi"/>
+        <a:font script="Cans" typeface="Euphemia"/>
+        <a:font script="Cher" typeface="Plantagenet Cherokee"/>
+        <a:font script="Yiii" typeface="Microsoft Yi Baiti"/>
+        <a:font script="Tibt" typeface="Microsoft Himalaya"/>
+        <a:font script="Thaa" typeface="MV Boli"/>
+        <a:font script="Deva" typeface="Mangal"/>
+        <a:font script="Telu" typeface="Gautami"/>
+        <a:font script="Taml" typeface="Latha"/>
+        <a:font script="Syrc" typeface="Estrangelo Edessa"/>
+        <a:font script="Orya" typeface="Kalinga"/>
+        <a:font script="Mlym" typeface="Kartika"/>
+        <a:font script="Laoo" typeface="DokChampa"/>
+        <a:font script="Sinh" typeface="Iskoola Pota"/>
+        <a:font script="Mong" typeface="Mongolian Baiti"/>
+        <a:font script="Viet" typeface="Arial"/>
+        <a:font script="Uigh" typeface="Microsoft Uighur"/>
+        <a:font script="Geor" typeface="Sylfaen"/>
+        <a:font script="Armn" typeface="Arial"/>
+        <a:font script="Bugi" typeface="Leelawadee UI"/>
+        <a:font script="Bopo" typeface="Microsoft JhengHei"/>
+        <a:font script="Java" typeface="Javanese Text"/>
+        <a:font script="Lisu" typeface="Segoe UI"/>
+        <a:font script="Mymr" typeface="Myanmar Text"/>
+        <a:font script="Nkoo" typeface="Ebrima"/>
+        <a:font script="Olck" typeface="Nirmala UI"/>
+        <a:font script="Osma" typeface="Ebrima"/>
+        <a:font script="Phag" typeface="Phagspa"/>
+        <a:font script="Syrn" typeface="Estrangelo Edessa"/>
+        <a:font script="Syrj" typeface="Estrangelo Edessa"/>
+        <a:font script="Syre" typeface="Estrangelo Edessa"/>
+        <a:font script="Sora" typeface="Nirmala UI"/>
+        <a:font script="Tale" typeface="Microsoft Tai Le"/>
+        <a:font script="Talu" typeface="Microsoft New Tai Lue"/>
+        <a:font script="Tfng" typeface="Ebrima"/>
+      </a:minorFont>
+    </a:fontScheme>
+    <a:fmtScheme name="Office">
+      <a:fillStyleLst>
+        <a:solidFill>
+          <a:schemeClr val="phClr"/>
+        </a:solidFill>
+        <a:gradFill rotWithShape="1">
+          <a:gsLst>
+            <a:gs pos="0">
+              <a:schemeClr val="phClr">
+                <a:lumMod val="110000"/>
+                <a:satMod val="105000"/>
+                <a:tint val="67000"/>
+              </a:schemeClr>
+            </a:gs>
+            <a:gs pos="50000">
+              <a:schemeClr val="phClr">
+                <a:lumMod val="105000"/>
+                <a:satMod val="103000"/>
+                <a:tint val="73000"/>
+              </a:schemeClr>
+            </a:gs>
+            <a:gs pos="100000">
+              <a:schemeClr val="phClr">
+                <a:lumMod val="105000"/>
+                <a:satMod val="109000"/>
+                <a:tint val="81000"/>
+              </a:schemeClr>
+            </a:gs>
+          </a:gsLst>
+          <a:lin ang="5400000" scaled="0"/>
+        </a:gradFill>
+        <a:gradFill rotWithShape="1">
+          <a:gsLst>
+            <a:gs pos="0">
+              <a:schemeClr val="phClr">
+                <a:satMod val="103000"/>
+                <a:lumMod val="102000"/>
+                <a:tint val="94000"/>
+              </a:schemeClr>
+            </a:gs>
+            <a:gs pos="50000">
+              <a:schemeClr val="phClr">
+                <a:satMod val="110000"/>
+                <a:lumMod val="100000"/>
+                <a:shade val="100000"/>
+              </a:schemeClr>
+            </a:gs>
+            <a:gs pos="100000">
+              <a:schemeClr val="phClr">
+                <a:lumMod val="99000"/>
+                <a:satMod val="120000"/>
+                <a:shade val="78000"/>
+              </a:schemeClr>
+            </a:gs>
+          </a:gsLst>
+          <a:lin ang="5400000" scaled="0"/>
+        </a:gradFill>
+      </a:fillStyleLst>
+      <a:lnStyleLst>
+        <a:ln w="6350" cap="flat" cmpd="sng" algn="ctr">
+          <a:solidFill>
+            <a:schemeClr val="phClr"/>
+          </a:solidFill>
+          <a:prstDash val="solid"/>
+          <a:miter lim="800000"/>
+        </a:ln>
+        <a:ln w="12700" cap="flat" cmpd="sng" algn="ctr">
+          <a:solidFill>
+            <a:schemeClr val="phClr"/>
+          </a:solidFill>
+          <a:prstDash val="solid"/>
+          <a:miter lim="800000"/>
+        </a:ln>
+        <a:ln w="19050" cap="flat" cmpd="sng" algn="ctr">
+          <a:solidFill>
+            <a:schemeClr val="phClr"/>
+          </a:solidFill>
+          <a:prstDash val="solid"/>
+          <a:miter lim="800000"/>
+        </a:ln>
+      </a:lnStyleLst>
+      <a:effectStyleLst>
+        <a:effectStyle>
+          <a:effectLst/>
+        </a:effectStyle>
+        <a:effectStyle>
+          <a:effectLst/>
+        </a:effectStyle>
+        <a:effectStyle>
+          <a:effectLst>
+            <a:outerShdw blurRad="57150" dist="19050" dir="5400000" algn="ctr" rotWithShape="0">
+              <a:srgbClr val="000000">
+                <a:alpha val="63000"/>
+              </a:srgbClr>
+            </a:outerShdw>
+          </a:effectLst>
+        </a:effectStyle>
+      </a:effectStyleLst>
+      <a:bgFillStyleLst>
+        <a:solidFill>
+          <a:schemeClr val="phClr"/>
+        </a:solidFill>
+        <a:solidFill>
+          <a:schemeClr val="phClr">
+            <a:tint val="95000"/>
+            <a:satMod val="170000"/>
+          </a:schemeClr>
+        </a:solidFill>
+        <a:gradFill rotWithShape="1">
+          <a:gsLst>
+            <a:gs pos="0">
+              <a:schemeClr val="phClr">
+                <a:tint val="93000"/>
+                <a:satMod val="150000"/>
+                <a:shade val="98000"/>
+                <a:lumMod val="102000"/>
+              </a:schemeClr>
+            </a:gs>
+            <a:gs pos="50000">
+              <a:schemeClr val="phClr">
+                <a:tint val="98000"/>
+                <a:satMod val="130000"/>
+                <a:shade val="90000"/>
+                <a:lumMod val="103000"/>
+              </a:schemeClr>
+            </a:gs>
+            <a:gs pos="100000">
+              <a:schemeClr val="phClr">
+                <a:shade val="63000"/>
+                <a:satMod val="120000"/>
+              </a:schemeClr>
+            </a:gs>
+          </a:gsLst>
+          <a:lin ang="5400000" scaled="0"/>
+        </a:gradFill>
+      </a:bgFillStyleLst>
+    </a:fmtScheme>
+  </a:themeElements>
+  <a:objectDefaults/>
+  <a:extraClrSchemeLst/>
+  <a:extLst>
+    <a:ext uri="{05A4C25C-085E-4340-85A3-A5531E510DB2}">
+      <thm15:themeFamily xmlns:thm15="http://schemas.microsoft.com/office/thememl/2012/main" name="Office Theme" id="{62F939B6-93AF-4DB8-9C6B-D6C7DFDC589F}" vid="{4A3C46E8-61CC-4603-A589-7422A47A8E4A}"/>
+    </a:ext>
+  </a:extLst>
+</a:theme>
 </file>